--- a/Documentación/Esquemas.pptx
+++ b/Documentación/Esquemas.pptx
@@ -6,10 +6,11 @@
   </p:sldMasterIdLst>
   <p:sldIdLst>
     <p:sldId id="256" r:id="rId2"/>
-    <p:sldId id="257" r:id="rId3"/>
-    <p:sldId id="258" r:id="rId4"/>
-    <p:sldId id="259" r:id="rId5"/>
-    <p:sldId id="260" r:id="rId6"/>
+    <p:sldId id="261" r:id="rId3"/>
+    <p:sldId id="257" r:id="rId4"/>
+    <p:sldId id="258" r:id="rId5"/>
+    <p:sldId id="259" r:id="rId6"/>
+    <p:sldId id="260" r:id="rId7"/>
   </p:sldIdLst>
   <p:sldSz cx="9144000" cy="6858000" type="screen4x3"/>
   <p:notesSz cx="6858000" cy="9144000"/>
@@ -293,7 +294,7 @@
             <a:fld id="{18170DE7-88DE-4F4A-BA4A-3FBE5AEFC146}" type="datetimeFigureOut">
               <a:rPr lang="es-ES" smtClean="0"/>
               <a:pPr/>
-              <a:t>12/11/2017</a:t>
+              <a:t>14/11/2017</a:t>
             </a:fld>
             <a:endParaRPr lang="es-ES"/>
           </a:p>
@@ -345,7 +346,7 @@
     </p:spTree>
     <p:extLst>
       <p:ext uri="{BB962C8B-B14F-4D97-AF65-F5344CB8AC3E}">
-        <p14:creationId xmlns:p14="http://schemas.microsoft.com/office/powerpoint/2010/main" xmlns="" val="2228071809"/>
+        <p14:creationId xmlns="" xmlns:p14="http://schemas.microsoft.com/office/powerpoint/2010/main" val="2228071809"/>
       </p:ext>
     </p:extLst>
   </p:cSld>
@@ -465,7 +466,7 @@
             <a:fld id="{18170DE7-88DE-4F4A-BA4A-3FBE5AEFC146}" type="datetimeFigureOut">
               <a:rPr lang="es-ES" smtClean="0"/>
               <a:pPr/>
-              <a:t>12/11/2017</a:t>
+              <a:t>14/11/2017</a:t>
             </a:fld>
             <a:endParaRPr lang="es-ES"/>
           </a:p>
@@ -517,7 +518,7 @@
     </p:spTree>
     <p:extLst>
       <p:ext uri="{BB962C8B-B14F-4D97-AF65-F5344CB8AC3E}">
-        <p14:creationId xmlns:p14="http://schemas.microsoft.com/office/powerpoint/2010/main" xmlns="" val="2918499078"/>
+        <p14:creationId xmlns="" xmlns:p14="http://schemas.microsoft.com/office/powerpoint/2010/main" val="2918499078"/>
       </p:ext>
     </p:extLst>
   </p:cSld>
@@ -647,7 +648,7 @@
             <a:fld id="{18170DE7-88DE-4F4A-BA4A-3FBE5AEFC146}" type="datetimeFigureOut">
               <a:rPr lang="es-ES" smtClean="0"/>
               <a:pPr/>
-              <a:t>12/11/2017</a:t>
+              <a:t>14/11/2017</a:t>
             </a:fld>
             <a:endParaRPr lang="es-ES"/>
           </a:p>
@@ -699,7 +700,7 @@
     </p:spTree>
     <p:extLst>
       <p:ext uri="{BB962C8B-B14F-4D97-AF65-F5344CB8AC3E}">
-        <p14:creationId xmlns:p14="http://schemas.microsoft.com/office/powerpoint/2010/main" xmlns="" val="3407803109"/>
+        <p14:creationId xmlns="" xmlns:p14="http://schemas.microsoft.com/office/powerpoint/2010/main" val="3407803109"/>
       </p:ext>
     </p:extLst>
   </p:cSld>
@@ -819,7 +820,7 @@
             <a:fld id="{18170DE7-88DE-4F4A-BA4A-3FBE5AEFC146}" type="datetimeFigureOut">
               <a:rPr lang="es-ES" smtClean="0"/>
               <a:pPr/>
-              <a:t>12/11/2017</a:t>
+              <a:t>14/11/2017</a:t>
             </a:fld>
             <a:endParaRPr lang="es-ES"/>
           </a:p>
@@ -871,7 +872,7 @@
     </p:spTree>
     <p:extLst>
       <p:ext uri="{BB962C8B-B14F-4D97-AF65-F5344CB8AC3E}">
-        <p14:creationId xmlns:p14="http://schemas.microsoft.com/office/powerpoint/2010/main" xmlns="" val="215798766"/>
+        <p14:creationId xmlns="" xmlns:p14="http://schemas.microsoft.com/office/powerpoint/2010/main" val="215798766"/>
       </p:ext>
     </p:extLst>
   </p:cSld>
@@ -1067,7 +1068,7 @@
             <a:fld id="{18170DE7-88DE-4F4A-BA4A-3FBE5AEFC146}" type="datetimeFigureOut">
               <a:rPr lang="es-ES" smtClean="0"/>
               <a:pPr/>
-              <a:t>12/11/2017</a:t>
+              <a:t>14/11/2017</a:t>
             </a:fld>
             <a:endParaRPr lang="es-ES"/>
           </a:p>
@@ -1119,7 +1120,7 @@
     </p:spTree>
     <p:extLst>
       <p:ext uri="{BB962C8B-B14F-4D97-AF65-F5344CB8AC3E}">
-        <p14:creationId xmlns:p14="http://schemas.microsoft.com/office/powerpoint/2010/main" xmlns="" val="30901598"/>
+        <p14:creationId xmlns="" xmlns:p14="http://schemas.microsoft.com/office/powerpoint/2010/main" val="30901598"/>
       </p:ext>
     </p:extLst>
   </p:cSld>
@@ -1357,7 +1358,7 @@
             <a:fld id="{18170DE7-88DE-4F4A-BA4A-3FBE5AEFC146}" type="datetimeFigureOut">
               <a:rPr lang="es-ES" smtClean="0"/>
               <a:pPr/>
-              <a:t>12/11/2017</a:t>
+              <a:t>14/11/2017</a:t>
             </a:fld>
             <a:endParaRPr lang="es-ES"/>
           </a:p>
@@ -1409,7 +1410,7 @@
     </p:spTree>
     <p:extLst>
       <p:ext uri="{BB962C8B-B14F-4D97-AF65-F5344CB8AC3E}">
-        <p14:creationId xmlns:p14="http://schemas.microsoft.com/office/powerpoint/2010/main" xmlns="" val="2303401706"/>
+        <p14:creationId xmlns="" xmlns:p14="http://schemas.microsoft.com/office/powerpoint/2010/main" val="2303401706"/>
       </p:ext>
     </p:extLst>
   </p:cSld>
@@ -1781,7 +1782,7 @@
             <a:fld id="{18170DE7-88DE-4F4A-BA4A-3FBE5AEFC146}" type="datetimeFigureOut">
               <a:rPr lang="es-ES" smtClean="0"/>
               <a:pPr/>
-              <a:t>12/11/2017</a:t>
+              <a:t>14/11/2017</a:t>
             </a:fld>
             <a:endParaRPr lang="es-ES"/>
           </a:p>
@@ -1833,7 +1834,7 @@
     </p:spTree>
     <p:extLst>
       <p:ext uri="{BB962C8B-B14F-4D97-AF65-F5344CB8AC3E}">
-        <p14:creationId xmlns:p14="http://schemas.microsoft.com/office/powerpoint/2010/main" xmlns="" val="1621096033"/>
+        <p14:creationId xmlns="" xmlns:p14="http://schemas.microsoft.com/office/powerpoint/2010/main" val="1621096033"/>
       </p:ext>
     </p:extLst>
   </p:cSld>
@@ -1901,7 +1902,7 @@
             <a:fld id="{18170DE7-88DE-4F4A-BA4A-3FBE5AEFC146}" type="datetimeFigureOut">
               <a:rPr lang="es-ES" smtClean="0"/>
               <a:pPr/>
-              <a:t>12/11/2017</a:t>
+              <a:t>14/11/2017</a:t>
             </a:fld>
             <a:endParaRPr lang="es-ES"/>
           </a:p>
@@ -1953,7 +1954,7 @@
     </p:spTree>
     <p:extLst>
       <p:ext uri="{BB962C8B-B14F-4D97-AF65-F5344CB8AC3E}">
-        <p14:creationId xmlns:p14="http://schemas.microsoft.com/office/powerpoint/2010/main" xmlns="" val="1872455494"/>
+        <p14:creationId xmlns="" xmlns:p14="http://schemas.microsoft.com/office/powerpoint/2010/main" val="1872455494"/>
       </p:ext>
     </p:extLst>
   </p:cSld>
@@ -1998,7 +1999,7 @@
             <a:fld id="{18170DE7-88DE-4F4A-BA4A-3FBE5AEFC146}" type="datetimeFigureOut">
               <a:rPr lang="es-ES" smtClean="0"/>
               <a:pPr/>
-              <a:t>12/11/2017</a:t>
+              <a:t>14/11/2017</a:t>
             </a:fld>
             <a:endParaRPr lang="es-ES"/>
           </a:p>
@@ -2050,7 +2051,7 @@
     </p:spTree>
     <p:extLst>
       <p:ext uri="{BB962C8B-B14F-4D97-AF65-F5344CB8AC3E}">
-        <p14:creationId xmlns:p14="http://schemas.microsoft.com/office/powerpoint/2010/main" xmlns="" val="114730684"/>
+        <p14:creationId xmlns="" xmlns:p14="http://schemas.microsoft.com/office/powerpoint/2010/main" val="114730684"/>
       </p:ext>
     </p:extLst>
   </p:cSld>
@@ -2277,7 +2278,7 @@
             <a:fld id="{18170DE7-88DE-4F4A-BA4A-3FBE5AEFC146}" type="datetimeFigureOut">
               <a:rPr lang="es-ES" smtClean="0"/>
               <a:pPr/>
-              <a:t>12/11/2017</a:t>
+              <a:t>14/11/2017</a:t>
             </a:fld>
             <a:endParaRPr lang="es-ES"/>
           </a:p>
@@ -2329,7 +2330,7 @@
     </p:spTree>
     <p:extLst>
       <p:ext uri="{BB962C8B-B14F-4D97-AF65-F5344CB8AC3E}">
-        <p14:creationId xmlns:p14="http://schemas.microsoft.com/office/powerpoint/2010/main" xmlns="" val="2305492056"/>
+        <p14:creationId xmlns="" xmlns:p14="http://schemas.microsoft.com/office/powerpoint/2010/main" val="2305492056"/>
       </p:ext>
     </p:extLst>
   </p:cSld>
@@ -2532,7 +2533,7 @@
             <a:fld id="{18170DE7-88DE-4F4A-BA4A-3FBE5AEFC146}" type="datetimeFigureOut">
               <a:rPr lang="es-ES" smtClean="0"/>
               <a:pPr/>
-              <a:t>12/11/2017</a:t>
+              <a:t>14/11/2017</a:t>
             </a:fld>
             <a:endParaRPr lang="es-ES"/>
           </a:p>
@@ -2584,7 +2585,7 @@
     </p:spTree>
     <p:extLst>
       <p:ext uri="{BB962C8B-B14F-4D97-AF65-F5344CB8AC3E}">
-        <p14:creationId xmlns:p14="http://schemas.microsoft.com/office/powerpoint/2010/main" xmlns="" val="212766131"/>
+        <p14:creationId xmlns="" xmlns:p14="http://schemas.microsoft.com/office/powerpoint/2010/main" val="212766131"/>
       </p:ext>
     </p:extLst>
   </p:cSld>
@@ -2747,7 +2748,7 @@
             <a:fld id="{18170DE7-88DE-4F4A-BA4A-3FBE5AEFC146}" type="datetimeFigureOut">
               <a:rPr lang="es-ES" smtClean="0"/>
               <a:pPr/>
-              <a:t>12/11/2017</a:t>
+              <a:t>14/11/2017</a:t>
             </a:fld>
             <a:endParaRPr lang="es-ES"/>
           </a:p>
@@ -2835,7 +2836,7 @@
     </p:spTree>
     <p:extLst>
       <p:ext uri="{BB962C8B-B14F-4D97-AF65-F5344CB8AC3E}">
-        <p14:creationId xmlns:p14="http://schemas.microsoft.com/office/powerpoint/2010/main" xmlns="" val="3276532291"/>
+        <p14:creationId xmlns="" xmlns:p14="http://schemas.microsoft.com/office/powerpoint/2010/main" val="3276532291"/>
       </p:ext>
     </p:extLst>
   </p:cSld>
@@ -3132,7 +3133,7 @@
           <p:nvPr>
             <p:extLst>
               <p:ext uri="{D42A27DB-BD31-4B8C-83A1-F6EECF244321}">
-                <p14:modId xmlns:p14="http://schemas.microsoft.com/office/powerpoint/2010/main" xmlns="" val="1235320221"/>
+                <p14:modId xmlns="" xmlns:p14="http://schemas.microsoft.com/office/powerpoint/2010/main" val="1235320221"/>
               </p:ext>
             </p:extLst>
           </p:nvPr>
@@ -3201,7 +3202,11 @@
                     <a:bodyPr/>
                     <a:lstStyle/>
                     <a:p>
-                      <a:endParaRPr lang="es-ES"/>
+                      <a:r>
+                        <a:rPr lang="es-ES" dirty="0" smtClean="0"/>
+                        <a:t> </a:t>
+                      </a:r>
+                      <a:endParaRPr lang="es-ES" dirty="0"/>
                     </a:p>
                   </a:txBody>
                   <a:tcPr/>
@@ -3302,8 +3307,8 @@
                     <a:lstStyle/>
                     <a:p>
                       <a:r>
-                        <a:rPr lang="es-ES" dirty="0" err="1" smtClean="0"/>
-                        <a:t>Lajaspa</a:t>
+                        <a:rPr lang="es-ES" dirty="0" smtClean="0"/>
+                        <a:t>Ana</a:t>
                       </a:r>
                       <a:endParaRPr lang="es-ES" dirty="0"/>
                     </a:p>
@@ -3317,7 +3322,7 @@
                     <a:p>
                       <a:r>
                         <a:rPr lang="es-ES" dirty="0" smtClean="0"/>
-                        <a:t>6</a:t>
+                        <a:t>2</a:t>
                       </a:r>
                       <a:endParaRPr lang="es-ES" dirty="0"/>
                     </a:p>
@@ -3379,6 +3384,10 @@
                     <a:bodyPr/>
                     <a:lstStyle/>
                     <a:p>
+                      <a:r>
+                        <a:rPr lang="es-ES" dirty="0" smtClean="0"/>
+                        <a:t>Pepe</a:t>
+                      </a:r>
                       <a:endParaRPr lang="es-ES" dirty="0"/>
                     </a:p>
                   </a:txBody>
@@ -3389,6 +3398,10 @@
                     <a:bodyPr/>
                     <a:lstStyle/>
                     <a:p>
+                      <a:r>
+                        <a:rPr lang="es-ES" dirty="0" smtClean="0"/>
+                        <a:t>2</a:t>
+                      </a:r>
                       <a:endParaRPr lang="es-ES" dirty="0"/>
                     </a:p>
                   </a:txBody>
@@ -3399,7 +3412,11 @@
                     <a:bodyPr/>
                     <a:lstStyle/>
                     <a:p>
-                      <a:endParaRPr lang="es-ES"/>
+                      <a:r>
+                        <a:rPr lang="es-ES" dirty="0" smtClean="0"/>
+                        <a:t>7</a:t>
+                      </a:r>
+                      <a:endParaRPr lang="es-ES" dirty="0"/>
                     </a:p>
                   </a:txBody>
                   <a:tcPr/>
@@ -3409,7 +3426,11 @@
                     <a:bodyPr/>
                     <a:lstStyle/>
                     <a:p>
-                      <a:endParaRPr lang="es-ES"/>
+                      <a:r>
+                        <a:rPr lang="es-ES" dirty="0" smtClean="0"/>
+                        <a:t>3</a:t>
+                      </a:r>
+                      <a:endParaRPr lang="es-ES" dirty="0"/>
                     </a:p>
                   </a:txBody>
                   <a:tcPr/>
@@ -3441,6 +3462,10 @@
                     <a:bodyPr/>
                     <a:lstStyle/>
                     <a:p>
+                      <a:r>
+                        <a:rPr lang="es-ES" dirty="0" smtClean="0"/>
+                        <a:t>Juan</a:t>
+                      </a:r>
                       <a:endParaRPr lang="es-ES" dirty="0"/>
                     </a:p>
                   </a:txBody>
@@ -3451,6 +3476,10 @@
                     <a:bodyPr/>
                     <a:lstStyle/>
                     <a:p>
+                      <a:r>
+                        <a:rPr lang="es-ES" dirty="0" smtClean="0"/>
+                        <a:t>1</a:t>
+                      </a:r>
                       <a:endParaRPr lang="es-ES" dirty="0"/>
                     </a:p>
                   </a:txBody>
@@ -3461,7 +3490,11 @@
                     <a:bodyPr/>
                     <a:lstStyle/>
                     <a:p>
-                      <a:endParaRPr lang="es-ES"/>
+                      <a:r>
+                        <a:rPr lang="es-ES" dirty="0" smtClean="0"/>
+                        <a:t>4</a:t>
+                      </a:r>
+                      <a:endParaRPr lang="es-ES" dirty="0"/>
                     </a:p>
                   </a:txBody>
                   <a:tcPr/>
@@ -3471,7 +3504,11 @@
                     <a:bodyPr/>
                     <a:lstStyle/>
                     <a:p>
-                      <a:endParaRPr lang="es-ES"/>
+                      <a:r>
+                        <a:rPr lang="es-ES" dirty="0" smtClean="0"/>
+                        <a:t>3</a:t>
+                      </a:r>
+                      <a:endParaRPr lang="es-ES" dirty="0"/>
                     </a:p>
                   </a:txBody>
                   <a:tcPr/>
@@ -3989,7 +4026,7 @@
     </p:spTree>
     <p:extLst>
       <p:ext uri="{BB962C8B-B14F-4D97-AF65-F5344CB8AC3E}">
-        <p14:creationId xmlns:p14="http://schemas.microsoft.com/office/powerpoint/2010/main" xmlns="" val="2510484760"/>
+        <p14:creationId xmlns="" xmlns:p14="http://schemas.microsoft.com/office/powerpoint/2010/main" val="2510484760"/>
       </p:ext>
     </p:extLst>
   </p:cSld>
@@ -4025,7 +4062,573 @@
           <p:nvPr>
             <p:extLst>
               <p:ext uri="{D42A27DB-BD31-4B8C-83A1-F6EECF244321}">
-                <p14:modId xmlns:p14="http://schemas.microsoft.com/office/powerpoint/2010/main" xmlns="" val="3817255215"/>
+                <p14:modId xmlns="" xmlns:p14="http://schemas.microsoft.com/office/powerpoint/2010/main" val="1235320221"/>
+              </p:ext>
+            </p:extLst>
+          </p:nvPr>
+        </p:nvGraphicFramePr>
+        <p:xfrm>
+          <a:off x="6560399" y="3218688"/>
+          <a:ext cx="2197317" cy="2651760"/>
+        </p:xfrm>
+        <a:graphic>
+          <a:graphicData uri="http://schemas.openxmlformats.org/drawingml/2006/table">
+            <a:tbl>
+              <a:tblPr firstRow="1" bandRow="1">
+                <a:tableStyleId>{5C22544A-7EE6-4342-B048-85BDC9FD1C3A}</a:tableStyleId>
+              </a:tblPr>
+              <a:tblGrid>
+                <a:gridCol w="732439"/>
+                <a:gridCol w="732439"/>
+                <a:gridCol w="732439"/>
+              </a:tblGrid>
+              <a:tr h="118996">
+                <a:tc>
+                  <a:txBody>
+                    <a:bodyPr/>
+                    <a:lstStyle/>
+                    <a:p>
+                      <a:r>
+                        <a:rPr lang="es-ES" dirty="0" smtClean="0"/>
+                        <a:t>curso</a:t>
+                      </a:r>
+                      <a:endParaRPr lang="es-ES" dirty="0"/>
+                    </a:p>
+                  </a:txBody>
+                  <a:tcPr/>
+                </a:tc>
+                <a:tc>
+                  <a:txBody>
+                    <a:bodyPr/>
+                    <a:lstStyle/>
+                    <a:p>
+                      <a:r>
+                        <a:rPr lang="es-ES" dirty="0" smtClean="0"/>
+                        <a:t>  nota media Mate</a:t>
+                      </a:r>
+                      <a:endParaRPr lang="es-ES" dirty="0"/>
+                    </a:p>
+                  </a:txBody>
+                  <a:tcPr/>
+                </a:tc>
+                <a:tc>
+                  <a:txBody>
+                    <a:bodyPr/>
+                    <a:lstStyle/>
+                    <a:p>
+                      <a:r>
+                        <a:rPr lang="es-ES" dirty="0" smtClean="0"/>
+                        <a:t>Nota media </a:t>
+                      </a:r>
+                      <a:r>
+                        <a:rPr lang="es-ES" dirty="0" err="1" smtClean="0"/>
+                        <a:t>fisica</a:t>
+                      </a:r>
+                      <a:endParaRPr lang="es-ES" dirty="0"/>
+                    </a:p>
+                  </a:txBody>
+                  <a:tcPr/>
+                </a:tc>
+              </a:tr>
+              <a:tr h="0">
+                <a:tc>
+                  <a:txBody>
+                    <a:bodyPr/>
+                    <a:lstStyle/>
+                    <a:p>
+                      <a:r>
+                        <a:rPr lang="es-ES" dirty="0" smtClean="0"/>
+                        <a:t>1</a:t>
+                      </a:r>
+                      <a:endParaRPr lang="es-ES" dirty="0"/>
+                    </a:p>
+                  </a:txBody>
+                  <a:tcPr/>
+                </a:tc>
+                <a:tc>
+                  <a:txBody>
+                    <a:bodyPr/>
+                    <a:lstStyle/>
+                    <a:p>
+                      <a:r>
+                        <a:rPr lang="es-ES" dirty="0" smtClean="0"/>
+                        <a:t>4</a:t>
+                      </a:r>
+                      <a:endParaRPr lang="es-ES" dirty="0"/>
+                    </a:p>
+                  </a:txBody>
+                  <a:tcPr/>
+                </a:tc>
+                <a:tc>
+                  <a:txBody>
+                    <a:bodyPr/>
+                    <a:lstStyle/>
+                    <a:p>
+                      <a:r>
+                        <a:rPr lang="es-ES" dirty="0" smtClean="0"/>
+                        <a:t>3</a:t>
+                      </a:r>
+                      <a:endParaRPr lang="es-ES" dirty="0"/>
+                    </a:p>
+                  </a:txBody>
+                  <a:tcPr/>
+                </a:tc>
+              </a:tr>
+              <a:tr h="0">
+                <a:tc>
+                  <a:txBody>
+                    <a:bodyPr/>
+                    <a:lstStyle/>
+                    <a:p>
+                      <a:r>
+                        <a:rPr lang="es-ES" dirty="0" smtClean="0"/>
+                        <a:t>2</a:t>
+                      </a:r>
+                      <a:endParaRPr lang="es-ES" dirty="0"/>
+                    </a:p>
+                  </a:txBody>
+                  <a:tcPr/>
+                </a:tc>
+                <a:tc>
+                  <a:txBody>
+                    <a:bodyPr/>
+                    <a:lstStyle/>
+                    <a:p>
+                      <a:r>
+                        <a:rPr lang="es-ES" dirty="0" smtClean="0"/>
+                        <a:t>8</a:t>
+                      </a:r>
+                      <a:endParaRPr lang="es-ES" dirty="0"/>
+                    </a:p>
+                  </a:txBody>
+                  <a:tcPr/>
+                </a:tc>
+                <a:tc>
+                  <a:txBody>
+                    <a:bodyPr/>
+                    <a:lstStyle/>
+                    <a:p>
+                      <a:r>
+                        <a:rPr lang="es-ES" dirty="0" smtClean="0"/>
+                        <a:t>4,5</a:t>
+                      </a:r>
+                      <a:endParaRPr lang="es-ES" dirty="0"/>
+                    </a:p>
+                  </a:txBody>
+                  <a:tcPr/>
+                </a:tc>
+              </a:tr>
+              <a:tr h="0">
+                <a:tc>
+                  <a:txBody>
+                    <a:bodyPr/>
+                    <a:lstStyle/>
+                    <a:p>
+                      <a:r>
+                        <a:rPr lang="es-ES" dirty="0" smtClean="0"/>
+                        <a:t>3</a:t>
+                      </a:r>
+                      <a:endParaRPr lang="es-ES" dirty="0"/>
+                    </a:p>
+                  </a:txBody>
+                  <a:tcPr/>
+                </a:tc>
+                <a:tc>
+                  <a:txBody>
+                    <a:bodyPr/>
+                    <a:lstStyle/>
+                    <a:p>
+                      <a:r>
+                        <a:rPr lang="es-ES" dirty="0" smtClean="0"/>
+                        <a:t>0</a:t>
+                      </a:r>
+                      <a:endParaRPr lang="es-ES" dirty="0"/>
+                    </a:p>
+                  </a:txBody>
+                  <a:tcPr/>
+                </a:tc>
+                <a:tc>
+                  <a:txBody>
+                    <a:bodyPr/>
+                    <a:lstStyle/>
+                    <a:p>
+                      <a:r>
+                        <a:rPr lang="es-ES" dirty="0" smtClean="0"/>
+                        <a:t>0</a:t>
+                      </a:r>
+                      <a:endParaRPr lang="es-ES" dirty="0"/>
+                    </a:p>
+                  </a:txBody>
+                  <a:tcPr/>
+                </a:tc>
+              </a:tr>
+              <a:tr h="0">
+                <a:tc>
+                  <a:txBody>
+                    <a:bodyPr/>
+                    <a:lstStyle/>
+                    <a:p>
+                      <a:endParaRPr lang="es-ES" dirty="0"/>
+                    </a:p>
+                  </a:txBody>
+                  <a:tcPr/>
+                </a:tc>
+                <a:tc>
+                  <a:txBody>
+                    <a:bodyPr/>
+                    <a:lstStyle/>
+                    <a:p>
+                      <a:endParaRPr lang="es-ES"/>
+                    </a:p>
+                  </a:txBody>
+                  <a:tcPr/>
+                </a:tc>
+                <a:tc>
+                  <a:txBody>
+                    <a:bodyPr/>
+                    <a:lstStyle/>
+                    <a:p>
+                      <a:endParaRPr lang="es-ES" dirty="0"/>
+                    </a:p>
+                  </a:txBody>
+                  <a:tcPr/>
+                </a:tc>
+              </a:tr>
+            </a:tbl>
+          </a:graphicData>
+        </a:graphic>
+      </p:graphicFrame>
+      <p:sp>
+        <p:nvSpPr>
+          <p:cNvPr id="15" name="CuadroTexto 14"/>
+          <p:cNvSpPr txBox="1"/>
+          <p:nvPr/>
+        </p:nvSpPr>
+        <p:spPr>
+          <a:xfrm>
+            <a:off x="580223" y="792135"/>
+            <a:ext cx="7811099" cy="5078313"/>
+          </a:xfrm>
+          <a:prstGeom prst="rect">
+            <a:avLst/>
+          </a:prstGeom>
+          <a:noFill/>
+        </p:spPr>
+        <p:txBody>
+          <a:bodyPr wrap="square" rtlCol="0">
+            <a:spAutoFit/>
+          </a:bodyPr>
+          <a:lstStyle/>
+          <a:p>
+            <a:r>
+              <a:rPr lang="es-ES" b="1" dirty="0" smtClean="0"/>
+              <a:t>Variables que necesitamos:</a:t>
+            </a:r>
+            <a:r>
+              <a:rPr lang="es-ES" dirty="0" smtClean="0"/>
+              <a:t/>
+            </a:r>
+            <a:br>
+              <a:rPr lang="es-ES" dirty="0" smtClean="0"/>
+            </a:br>
+            <a:r>
+              <a:rPr lang="es-ES" dirty="0" smtClean="0"/>
+              <a:t>suma de las notas de mates de todos los alumnos de 1º</a:t>
+            </a:r>
+            <a:br>
+              <a:rPr lang="es-ES" dirty="0" smtClean="0"/>
+            </a:br>
+            <a:r>
+              <a:rPr lang="es-ES" dirty="0" smtClean="0"/>
+              <a:t>numero de alumnos  de mates de 1º</a:t>
+            </a:r>
+            <a:r>
+              <a:rPr lang="es-ES" dirty="0" smtClean="0"/>
+              <a:t>	</a:t>
+            </a:r>
+            <a:endParaRPr lang="es-ES" dirty="0" smtClean="0"/>
+          </a:p>
+          <a:p>
+            <a:r>
+              <a:rPr lang="es-ES" b="1" dirty="0" smtClean="0"/>
+              <a:t>Variables que necesitamos:</a:t>
+            </a:r>
+            <a:r>
+              <a:rPr lang="es-ES" dirty="0" smtClean="0"/>
+              <a:t/>
+            </a:r>
+            <a:br>
+              <a:rPr lang="es-ES" dirty="0" smtClean="0"/>
+            </a:br>
+            <a:r>
+              <a:rPr lang="es-ES" dirty="0" smtClean="0"/>
+              <a:t>suma de las notas de </a:t>
+            </a:r>
+            <a:r>
+              <a:rPr lang="es-ES" dirty="0" err="1" smtClean="0"/>
+              <a:t>fisica</a:t>
+            </a:r>
+            <a:r>
+              <a:rPr lang="es-ES" dirty="0" smtClean="0"/>
+              <a:t> </a:t>
+            </a:r>
+            <a:r>
+              <a:rPr lang="es-ES" dirty="0" smtClean="0"/>
+              <a:t>de todos los alumnos de 1º</a:t>
+            </a:r>
+            <a:br>
+              <a:rPr lang="es-ES" dirty="0" smtClean="0"/>
+            </a:br>
+            <a:r>
+              <a:rPr lang="es-ES" dirty="0" smtClean="0"/>
+              <a:t>numero de alumnos  de </a:t>
+            </a:r>
+            <a:r>
+              <a:rPr lang="es-ES" dirty="0" err="1" smtClean="0"/>
+              <a:t>fisica</a:t>
+            </a:r>
+            <a:r>
+              <a:rPr lang="es-ES" dirty="0" smtClean="0"/>
+              <a:t> de </a:t>
+            </a:r>
+            <a:r>
+              <a:rPr lang="es-ES" dirty="0" smtClean="0"/>
+              <a:t>1º </a:t>
+            </a:r>
+            <a:endParaRPr lang="es-ES" dirty="0" smtClean="0"/>
+          </a:p>
+          <a:p>
+            <a:r>
+              <a:rPr lang="es-ES" b="1" dirty="0" smtClean="0"/>
+              <a:t>Variables que necesitamos:</a:t>
+            </a:r>
+            <a:r>
+              <a:rPr lang="es-ES" dirty="0" smtClean="0"/>
+              <a:t/>
+            </a:r>
+            <a:br>
+              <a:rPr lang="es-ES" dirty="0" smtClean="0"/>
+            </a:br>
+            <a:r>
+              <a:rPr lang="es-ES" dirty="0" smtClean="0"/>
+              <a:t>suma de las notas de mates de todos los alumnos de </a:t>
+            </a:r>
+            <a:r>
+              <a:rPr lang="es-ES" dirty="0" smtClean="0"/>
+              <a:t>2º</a:t>
+            </a:r>
+            <a:r>
+              <a:rPr lang="es-ES" dirty="0" smtClean="0"/>
+              <a:t/>
+            </a:r>
+            <a:br>
+              <a:rPr lang="es-ES" dirty="0" smtClean="0"/>
+            </a:br>
+            <a:r>
+              <a:rPr lang="es-ES" dirty="0" smtClean="0"/>
+              <a:t>numero de alumnos  de mates de </a:t>
+            </a:r>
+            <a:r>
+              <a:rPr lang="es-ES" dirty="0" smtClean="0"/>
+              <a:t>2º</a:t>
+            </a:r>
+            <a:r>
+              <a:rPr lang="es-ES" dirty="0" smtClean="0"/>
+              <a:t>	</a:t>
+            </a:r>
+          </a:p>
+          <a:p>
+            <a:r>
+              <a:rPr lang="es-ES" b="1" dirty="0" smtClean="0"/>
+              <a:t>Variables que necesitamos:</a:t>
+            </a:r>
+            <a:r>
+              <a:rPr lang="es-ES" dirty="0" smtClean="0"/>
+              <a:t/>
+            </a:r>
+            <a:br>
+              <a:rPr lang="es-ES" dirty="0" smtClean="0"/>
+            </a:br>
+            <a:r>
+              <a:rPr lang="es-ES" dirty="0" smtClean="0"/>
+              <a:t>suma de las notas de </a:t>
+            </a:r>
+            <a:r>
+              <a:rPr lang="es-ES" dirty="0" err="1" smtClean="0"/>
+              <a:t>fisica</a:t>
+            </a:r>
+            <a:r>
+              <a:rPr lang="es-ES" dirty="0" smtClean="0"/>
+              <a:t> de todos los alumnos de </a:t>
+            </a:r>
+            <a:r>
+              <a:rPr lang="es-ES" dirty="0" smtClean="0"/>
+              <a:t>2º</a:t>
+            </a:r>
+            <a:r>
+              <a:rPr lang="es-ES" dirty="0" smtClean="0"/>
+              <a:t/>
+            </a:r>
+            <a:br>
+              <a:rPr lang="es-ES" dirty="0" smtClean="0"/>
+            </a:br>
+            <a:r>
+              <a:rPr lang="es-ES" dirty="0" smtClean="0"/>
+              <a:t>numero de alumnos  de </a:t>
+            </a:r>
+            <a:r>
+              <a:rPr lang="es-ES" dirty="0" err="1" smtClean="0"/>
+              <a:t>fisica</a:t>
+            </a:r>
+            <a:r>
+              <a:rPr lang="es-ES" dirty="0" smtClean="0"/>
+              <a:t> de </a:t>
+            </a:r>
+            <a:r>
+              <a:rPr lang="es-ES" dirty="0" smtClean="0"/>
+              <a:t>2º </a:t>
+            </a:r>
+            <a:r>
+              <a:rPr lang="es-ES" dirty="0" smtClean="0"/>
+              <a:t>	</a:t>
+            </a:r>
+            <a:endParaRPr lang="es-ES" dirty="0" smtClean="0"/>
+          </a:p>
+          <a:p>
+            <a:r>
+              <a:rPr lang="es-ES" b="1" dirty="0" smtClean="0"/>
+              <a:t>Variables que necesitamos:</a:t>
+            </a:r>
+            <a:r>
+              <a:rPr lang="es-ES" dirty="0" smtClean="0"/>
+              <a:t/>
+            </a:r>
+            <a:br>
+              <a:rPr lang="es-ES" dirty="0" smtClean="0"/>
+            </a:br>
+            <a:r>
+              <a:rPr lang="es-ES" dirty="0" smtClean="0"/>
+              <a:t>suma de las notas de mates de todos los alumnos de </a:t>
+            </a:r>
+            <a:r>
+              <a:rPr lang="es-ES" dirty="0" smtClean="0"/>
+              <a:t>3º</a:t>
+            </a:r>
+            <a:r>
+              <a:rPr lang="es-ES" dirty="0" smtClean="0"/>
+              <a:t/>
+            </a:r>
+            <a:br>
+              <a:rPr lang="es-ES" dirty="0" smtClean="0"/>
+            </a:br>
+            <a:r>
+              <a:rPr lang="es-ES" dirty="0" smtClean="0"/>
+              <a:t>numero de alumnos  de mates de </a:t>
+            </a:r>
+            <a:r>
+              <a:rPr lang="es-ES" dirty="0" smtClean="0"/>
+              <a:t>3º</a:t>
+            </a:r>
+            <a:r>
+              <a:rPr lang="es-ES" dirty="0" smtClean="0"/>
+              <a:t>	</a:t>
+            </a:r>
+          </a:p>
+          <a:p>
+            <a:r>
+              <a:rPr lang="es-ES" b="1" dirty="0" smtClean="0"/>
+              <a:t>Variables que necesitamos:</a:t>
+            </a:r>
+            <a:r>
+              <a:rPr lang="es-ES" dirty="0" smtClean="0"/>
+              <a:t/>
+            </a:r>
+            <a:br>
+              <a:rPr lang="es-ES" dirty="0" smtClean="0"/>
+            </a:br>
+            <a:r>
+              <a:rPr lang="es-ES" dirty="0" smtClean="0"/>
+              <a:t>suma de las notas de </a:t>
+            </a:r>
+            <a:r>
+              <a:rPr lang="es-ES" dirty="0" err="1" smtClean="0"/>
+              <a:t>fisica</a:t>
+            </a:r>
+            <a:r>
+              <a:rPr lang="es-ES" dirty="0" smtClean="0"/>
+              <a:t> de todos los alumnos de </a:t>
+            </a:r>
+            <a:r>
+              <a:rPr lang="es-ES" dirty="0" smtClean="0"/>
+              <a:t>3º</a:t>
+            </a:r>
+            <a:r>
+              <a:rPr lang="es-ES" dirty="0" smtClean="0"/>
+              <a:t/>
+            </a:r>
+            <a:br>
+              <a:rPr lang="es-ES" dirty="0" smtClean="0"/>
+            </a:br>
+            <a:r>
+              <a:rPr lang="es-ES" dirty="0" smtClean="0"/>
+              <a:t>numero de alumnos  de </a:t>
+            </a:r>
+            <a:r>
+              <a:rPr lang="es-ES" dirty="0" err="1" smtClean="0"/>
+              <a:t>fisica</a:t>
+            </a:r>
+            <a:r>
+              <a:rPr lang="es-ES" dirty="0" smtClean="0"/>
+              <a:t> de </a:t>
+            </a:r>
+            <a:r>
+              <a:rPr lang="es-ES" dirty="0" smtClean="0"/>
+              <a:t>3º</a:t>
+            </a:r>
+            <a:endParaRPr lang="es-ES" dirty="0"/>
+          </a:p>
+        </p:txBody>
+      </p:sp>
+    </p:spTree>
+    <p:extLst>
+      <p:ext uri="{BB962C8B-B14F-4D97-AF65-F5344CB8AC3E}">
+        <p14:creationId xmlns="" xmlns:p14="http://schemas.microsoft.com/office/powerpoint/2010/main" val="2510484760"/>
+      </p:ext>
+    </p:extLst>
+  </p:cSld>
+  <p:clrMapOvr>
+    <a:masterClrMapping/>
+  </p:clrMapOvr>
+</p:sld>
+</file>
+
+<file path=ppt/slides/slide3.xml><?xml version="1.0" encoding="utf-8"?>
+<p:sld xmlns:a="http://schemas.openxmlformats.org/drawingml/2006/main" xmlns:r="http://schemas.openxmlformats.org/officeDocument/2006/relationships" xmlns:p="http://schemas.openxmlformats.org/presentationml/2006/main">
+  <p:cSld>
+    <p:spTree>
+      <p:nvGrpSpPr>
+        <p:cNvPr id="1" name=""/>
+        <p:cNvGrpSpPr/>
+        <p:nvPr/>
+      </p:nvGrpSpPr>
+      <p:grpSpPr>
+        <a:xfrm>
+          <a:off x="0" y="0"/>
+          <a:ext cx="0" cy="0"/>
+          <a:chOff x="0" y="0"/>
+          <a:chExt cx="0" cy="0"/>
+        </a:xfrm>
+      </p:grpSpPr>
+      <p:graphicFrame>
+        <p:nvGraphicFramePr>
+          <p:cNvPr id="4" name="Tabla 3"/>
+          <p:cNvGraphicFramePr>
+            <a:graphicFrameLocks noGrp="1"/>
+          </p:cNvGraphicFramePr>
+          <p:nvPr>
+            <p:extLst>
+              <p:ext uri="{D42A27DB-BD31-4B8C-83A1-F6EECF244321}">
+                <p14:modId xmlns="" xmlns:p14="http://schemas.microsoft.com/office/powerpoint/2010/main" val="3817255215"/>
               </p:ext>
             </p:extLst>
           </p:nvPr>
@@ -4523,7 +5126,7 @@
     </p:spTree>
     <p:extLst>
       <p:ext uri="{BB962C8B-B14F-4D97-AF65-F5344CB8AC3E}">
-        <p14:creationId xmlns:p14="http://schemas.microsoft.com/office/powerpoint/2010/main" xmlns="" val="2276929095"/>
+        <p14:creationId xmlns="" xmlns:p14="http://schemas.microsoft.com/office/powerpoint/2010/main" val="2276929095"/>
       </p:ext>
     </p:extLst>
   </p:cSld>
@@ -4533,7 +5136,7 @@
 </p:sld>
 </file>
 
-<file path=ppt/slides/slide3.xml><?xml version="1.0" encoding="utf-8"?>
+<file path=ppt/slides/slide4.xml><?xml version="1.0" encoding="utf-8"?>
 <p:sld xmlns:a="http://schemas.openxmlformats.org/drawingml/2006/main" xmlns:r="http://schemas.openxmlformats.org/officeDocument/2006/relationships" xmlns:p="http://schemas.openxmlformats.org/presentationml/2006/main">
   <p:cSld>
     <p:spTree>
@@ -4933,87 +5536,9 @@
     </p:spTree>
     <p:extLst>
       <p:ext uri="{BB962C8B-B14F-4D97-AF65-F5344CB8AC3E}">
-        <p14:creationId xmlns:p14="http://schemas.microsoft.com/office/powerpoint/2010/main" xmlns="" val="3279309185"/>
+        <p14:creationId xmlns="" xmlns:p14="http://schemas.microsoft.com/office/powerpoint/2010/main" val="3279309185"/>
       </p:ext>
     </p:extLst>
-  </p:cSld>
-  <p:clrMapOvr>
-    <a:masterClrMapping/>
-  </p:clrMapOvr>
-</p:sld>
-</file>
-
-<file path=ppt/slides/slide4.xml><?xml version="1.0" encoding="utf-8"?>
-<p:sld xmlns:a="http://schemas.openxmlformats.org/drawingml/2006/main" xmlns:r="http://schemas.openxmlformats.org/officeDocument/2006/relationships" xmlns:p="http://schemas.openxmlformats.org/presentationml/2006/main">
-  <p:cSld>
-    <p:spTree>
-      <p:nvGrpSpPr>
-        <p:cNvPr id="1" name=""/>
-        <p:cNvGrpSpPr/>
-        <p:nvPr/>
-      </p:nvGrpSpPr>
-      <p:grpSpPr>
-        <a:xfrm>
-          <a:off x="0" y="0"/>
-          <a:ext cx="0" cy="0"/>
-          <a:chOff x="0" y="0"/>
-          <a:chExt cx="0" cy="0"/>
-        </a:xfrm>
-      </p:grpSpPr>
-      <p:sp>
-        <p:nvSpPr>
-          <p:cNvPr id="3" name="2 Marcador de contenido"/>
-          <p:cNvSpPr>
-            <a:spLocks noGrp="1"/>
-          </p:cNvSpPr>
-          <p:nvPr>
-            <p:ph idx="1"/>
-          </p:nvPr>
-        </p:nvSpPr>
-        <p:spPr>
-          <a:xfrm>
-            <a:off x="457200" y="731520"/>
-            <a:ext cx="8229600" cy="5394643"/>
-          </a:xfrm>
-        </p:spPr>
-        <p:txBody>
-          <a:bodyPr/>
-          <a:lstStyle/>
-          <a:p>
-            <a:r>
-              <a:rPr lang="es-ES" dirty="0" smtClean="0"/>
-              <a:t>Las variables de sesión son </a:t>
-            </a:r>
-            <a:r>
-              <a:rPr lang="es-ES" dirty="0" err="1" smtClean="0"/>
-              <a:t>var</a:t>
-            </a:r>
-            <a:r>
-              <a:rPr lang="es-ES" dirty="0" smtClean="0"/>
-              <a:t> que se mantienen para cada usuario por toda la web.</a:t>
-            </a:r>
-          </a:p>
-          <a:p>
-            <a:r>
-              <a:rPr lang="es-ES" dirty="0" smtClean="0"/>
-              <a:t>Si hubiesen varios usuarios a la vez, las variables de sesión $_SESSION se mantendría para cada uno de ellos.</a:t>
-            </a:r>
-          </a:p>
-          <a:p>
-            <a:r>
-              <a:rPr lang="es-ES" dirty="0" smtClean="0"/>
-              <a:t>$_SESSION[‘nombre’] -&gt; guarda el nombre de usuario</a:t>
-            </a:r>
-          </a:p>
-          <a:p>
-            <a:pPr>
-              <a:buNone/>
-            </a:pPr>
-            <a:endParaRPr lang="es-ES" dirty="0"/>
-          </a:p>
-        </p:txBody>
-      </p:sp>
-    </p:spTree>
   </p:cSld>
   <p:clrMapOvr>
     <a:masterClrMapping/>
@@ -5058,6 +5583,84 @@
           <a:bodyPr/>
           <a:lstStyle/>
           <a:p>
+            <a:r>
+              <a:rPr lang="es-ES" dirty="0" smtClean="0"/>
+              <a:t>Las variables de sesión son </a:t>
+            </a:r>
+            <a:r>
+              <a:rPr lang="es-ES" dirty="0" err="1" smtClean="0"/>
+              <a:t>var</a:t>
+            </a:r>
+            <a:r>
+              <a:rPr lang="es-ES" dirty="0" smtClean="0"/>
+              <a:t> que se mantienen para cada usuario por toda la web.</a:t>
+            </a:r>
+          </a:p>
+          <a:p>
+            <a:r>
+              <a:rPr lang="es-ES" dirty="0" smtClean="0"/>
+              <a:t>Si hubiesen varios usuarios a la vez, las variables de sesión $_SESSION se mantendría para cada uno de ellos.</a:t>
+            </a:r>
+          </a:p>
+          <a:p>
+            <a:r>
+              <a:rPr lang="es-ES" dirty="0" smtClean="0"/>
+              <a:t>$_SESSION[‘nombre’] -&gt; guarda el nombre de usuario</a:t>
+            </a:r>
+          </a:p>
+          <a:p>
+            <a:pPr>
+              <a:buNone/>
+            </a:pPr>
+            <a:endParaRPr lang="es-ES" dirty="0"/>
+          </a:p>
+        </p:txBody>
+      </p:sp>
+    </p:spTree>
+  </p:cSld>
+  <p:clrMapOvr>
+    <a:masterClrMapping/>
+  </p:clrMapOvr>
+</p:sld>
+</file>
+
+<file path=ppt/slides/slide6.xml><?xml version="1.0" encoding="utf-8"?>
+<p:sld xmlns:a="http://schemas.openxmlformats.org/drawingml/2006/main" xmlns:r="http://schemas.openxmlformats.org/officeDocument/2006/relationships" xmlns:p="http://schemas.openxmlformats.org/presentationml/2006/main">
+  <p:cSld>
+    <p:spTree>
+      <p:nvGrpSpPr>
+        <p:cNvPr id="1" name=""/>
+        <p:cNvGrpSpPr/>
+        <p:nvPr/>
+      </p:nvGrpSpPr>
+      <p:grpSpPr>
+        <a:xfrm>
+          <a:off x="0" y="0"/>
+          <a:ext cx="0" cy="0"/>
+          <a:chOff x="0" y="0"/>
+          <a:chExt cx="0" cy="0"/>
+        </a:xfrm>
+      </p:grpSpPr>
+      <p:sp>
+        <p:nvSpPr>
+          <p:cNvPr id="3" name="2 Marcador de contenido"/>
+          <p:cNvSpPr>
+            <a:spLocks noGrp="1"/>
+          </p:cNvSpPr>
+          <p:nvPr>
+            <p:ph idx="1"/>
+          </p:nvPr>
+        </p:nvSpPr>
+        <p:spPr>
+          <a:xfrm>
+            <a:off x="457200" y="731520"/>
+            <a:ext cx="8229600" cy="5394643"/>
+          </a:xfrm>
+        </p:spPr>
+        <p:txBody>
+          <a:bodyPr/>
+          <a:lstStyle/>
+          <a:p>
             <a:pPr>
               <a:buNone/>
             </a:pPr>
@@ -5123,23 +5726,15 @@
               <a:t>tablas.php</a:t>
             </a:r>
             <a:r>
-              <a:rPr lang="es-ES" smtClean="0"/>
+              <a:rPr lang="es-ES" dirty="0" smtClean="0"/>
               <a:t>-&gt; $ALUMNOS</a:t>
             </a:r>
-            <a:r>
-              <a:rPr lang="es-ES" dirty="0" smtClean="0"/>
-              <a:t/>
-            </a:r>
             <a:br>
               <a:rPr lang="es-ES" dirty="0" smtClean="0"/>
             </a:br>
             <a:r>
               <a:rPr lang="es-ES" dirty="0" smtClean="0"/>
-              <a:t>			</a:t>
-            </a:r>
-            <a:r>
-              <a:rPr lang="es-ES" smtClean="0"/>
-              <a:t>				    $USUARIOS</a:t>
+              <a:t>							    $USUARIOS</a:t>
             </a:r>
             <a:endParaRPr lang="es-ES" dirty="0"/>
           </a:p>
